--- a/Git - система управления данными. списки и циклы в Python/второе занятие презентация.pptx
+++ b/Git - система управления данными. списки и циклы в Python/второе занятие презентация.pptx
@@ -5,7 +5,7 @@
     <p:sldMasterId id="2147483648" r:id="rId1"/>
   </p:sldMasterIdLst>
   <p:notesMasterIdLst>
-    <p:notesMasterId r:id="rId27"/>
+    <p:notesMasterId r:id="rId28"/>
   </p:notesMasterIdLst>
   <p:sldIdLst>
     <p:sldId id="256" r:id="rId2"/>
@@ -33,45 +33,52 @@
     <p:sldId id="276" r:id="rId24"/>
     <p:sldId id="277" r:id="rId25"/>
     <p:sldId id="278" r:id="rId26"/>
+    <p:sldId id="281" r:id="rId27"/>
   </p:sldIdLst>
   <p:sldSz cx="17337088" cy="9752013"/>
   <p:notesSz cx="6858000" cy="9144000"/>
   <p:embeddedFontLst>
     <p:embeddedFont>
       <p:font typeface="Calibri" panose="020F0502020204030204" pitchFamily="34" charset="0"/>
-      <p:regular r:id="rId28"/>
-      <p:bold r:id="rId29"/>
-      <p:italic r:id="rId30"/>
-      <p:boldItalic r:id="rId31"/>
+      <p:regular r:id="rId29"/>
+      <p:bold r:id="rId30"/>
+      <p:italic r:id="rId31"/>
+      <p:boldItalic r:id="rId32"/>
     </p:embeddedFont>
     <p:embeddedFont>
       <p:font typeface="Consolas" panose="020B0609020204030204" pitchFamily="49" charset="0"/>
-      <p:regular r:id="rId32"/>
-      <p:bold r:id="rId33"/>
-      <p:italic r:id="rId34"/>
-      <p:boldItalic r:id="rId35"/>
+      <p:regular r:id="rId33"/>
+      <p:bold r:id="rId34"/>
+      <p:italic r:id="rId35"/>
+      <p:boldItalic r:id="rId36"/>
     </p:embeddedFont>
     <p:embeddedFont>
       <p:font typeface="GT Eesti Pro Display" pitchFamily="2" charset="0"/>
-      <p:regular r:id="rId36"/>
-      <p:italic r:id="rId37"/>
+      <p:regular r:id="rId37"/>
+      <p:italic r:id="rId38"/>
+    </p:embeddedFont>
+    <p:embeddedFont>
+      <p:font typeface="GT Eesti Pro Display Bold" pitchFamily="2" charset="0"/>
+      <p:bold r:id="rId39"/>
+      <p:italic r:id="rId40"/>
+      <p:boldItalic r:id="rId41"/>
     </p:embeddedFont>
     <p:embeddedFont>
       <p:font typeface="GT Eesti Pro Display Light" pitchFamily="2" charset="0"/>
-      <p:regular r:id="rId38"/>
-      <p:italic r:id="rId39"/>
+      <p:regular r:id="rId42"/>
+      <p:italic r:id="rId43"/>
     </p:embeddedFont>
     <p:embeddedFont>
       <p:font typeface="JetBrains Mono" panose="020B0509020102050004" pitchFamily="49" charset="0"/>
-      <p:regular r:id="rId40"/>
-      <p:bold r:id="rId41"/>
-      <p:italic r:id="rId42"/>
-      <p:boldItalic r:id="rId43"/>
+      <p:regular r:id="rId44"/>
+      <p:bold r:id="rId45"/>
+      <p:italic r:id="rId46"/>
+      <p:boldItalic r:id="rId47"/>
     </p:embeddedFont>
     <p:embeddedFont>
       <p:font typeface="JetBrains Mono Medium" panose="020B0509020102050004" pitchFamily="49" charset="0"/>
-      <p:regular r:id="rId44"/>
-      <p:italic r:id="rId45"/>
+      <p:regular r:id="rId48"/>
+      <p:italic r:id="rId49"/>
     </p:embeddedFont>
   </p:embeddedFontLst>
   <p:defaultTextStyle>
@@ -319,7 +326,7 @@
       </p15:sldGuideLst>
     </p:ext>
     <p:ext uri="http://customooxmlschemas.google.com/">
-      <go:slidesCustomData xmlns="" xmlns:mc="http://schemas.openxmlformats.org/markup-compatibility/2006" xmlns:mv="urn:schemas-microsoft-com:mac:vml" xmlns:c="http://schemas.openxmlformats.org/drawingml/2006/chart" xmlns:dgm="http://schemas.openxmlformats.org/drawingml/2006/diagram" xmlns:o="urn:schemas-microsoft-com:office:office" xmlns:v="urn:schemas-microsoft-com:vml" xmlns:pvml="urn:schemas-microsoft-com:office:powerpoint" xmlns:com="http://schemas.openxmlformats.org/drawingml/2006/compatibility" xmlns:p14="http://schemas.microsoft.com/office/powerpoint/2010/main" xmlns:p15="http://schemas.microsoft.com/office/powerpoint/2012/main" xmlns:go="http://customooxmlschemas.google.com/" r:id="rId46" roundtripDataSignature="AMtx7mgZ6zBI12qCUoOh3/zJWUlvOoGcdg=="/>
+      <go:slidesCustomData xmlns="" xmlns:mc="http://schemas.openxmlformats.org/markup-compatibility/2006" xmlns:mv="urn:schemas-microsoft-com:mac:vml" xmlns:c="http://schemas.openxmlformats.org/drawingml/2006/chart" xmlns:dgm="http://schemas.openxmlformats.org/drawingml/2006/diagram" xmlns:o="urn:schemas-microsoft-com:office:office" xmlns:v="urn:schemas-microsoft-com:vml" xmlns:pvml="urn:schemas-microsoft-com:office:powerpoint" xmlns:com="http://schemas.openxmlformats.org/drawingml/2006/compatibility" xmlns:p14="http://schemas.microsoft.com/office/powerpoint/2010/main" xmlns:p15="http://schemas.microsoft.com/office/powerpoint/2012/main" xmlns:go="http://customooxmlschemas.google.com/" r:id="rId50" roundtripDataSignature="AMtx7mgZ6zBI12qCUoOh3/zJWUlvOoGcdg=="/>
     </p:ext>
   </p:extLst>
 </p:presentation>
@@ -4064,6 +4071,175 @@
         </p:txBody>
       </p:sp>
     </p:spTree>
+  </p:cSld>
+  <p:clrMapOvr>
+    <a:masterClrMapping/>
+  </p:clrMapOvr>
+</p:notes>
+</file>
+
+<file path=ppt/notesSlides/notesSlide25.xml><?xml version="1.0" encoding="utf-8"?>
+<p:notes xmlns:a="http://schemas.openxmlformats.org/drawingml/2006/main" xmlns:r="http://schemas.openxmlformats.org/officeDocument/2006/relationships" xmlns:p="http://schemas.openxmlformats.org/presentationml/2006/main" showMasterSp="0" showMasterPhAnim="0">
+  <p:cSld>
+    <p:spTree>
+      <p:nvGrpSpPr>
+        <p:cNvPr id="1" name="Shape 383"/>
+        <p:cNvGrpSpPr/>
+        <p:nvPr/>
+      </p:nvGrpSpPr>
+      <p:grpSpPr>
+        <a:xfrm>
+          <a:off x="0" y="0"/>
+          <a:ext cx="0" cy="0"/>
+          <a:chOff x="0" y="0"/>
+          <a:chExt cx="0" cy="0"/>
+        </a:xfrm>
+      </p:grpSpPr>
+      <p:sp>
+        <p:nvSpPr>
+          <p:cNvPr id="384" name="Google Shape;384;p23:notes"/>
+          <p:cNvSpPr>
+            <a:spLocks noGrp="1" noRot="1" noChangeAspect="1"/>
+          </p:cNvSpPr>
+          <p:nvPr>
+            <p:ph type="sldImg" idx="2"/>
+          </p:nvPr>
+        </p:nvSpPr>
+        <p:spPr>
+          <a:xfrm>
+            <a:off x="685800" y="1143000"/>
+            <a:ext cx="5486400" cy="3086100"/>
+          </a:xfrm>
+          <a:custGeom>
+            <a:avLst/>
+            <a:gdLst/>
+            <a:ahLst/>
+            <a:cxnLst/>
+            <a:rect l="l" t="t" r="r" b="b"/>
+            <a:pathLst>
+              <a:path w="120000" h="120000" extrusionOk="0">
+                <a:moveTo>
+                  <a:pt x="0" y="0"/>
+                </a:moveTo>
+                <a:lnTo>
+                  <a:pt x="120000" y="0"/>
+                </a:lnTo>
+                <a:lnTo>
+                  <a:pt x="120000" y="120000"/>
+                </a:lnTo>
+                <a:lnTo>
+                  <a:pt x="0" y="120000"/>
+                </a:lnTo>
+                <a:close/>
+              </a:path>
+            </a:pathLst>
+          </a:custGeom>
+          <a:noFill/>
+          <a:ln w="12700" cap="flat" cmpd="sng">
+            <a:solidFill>
+              <a:srgbClr val="000000"/>
+            </a:solidFill>
+            <a:prstDash val="solid"/>
+            <a:round/>
+            <a:headEnd type="none" w="sm" len="sm"/>
+            <a:tailEnd type="none" w="sm" len="sm"/>
+          </a:ln>
+        </p:spPr>
+      </p:sp>
+      <p:sp>
+        <p:nvSpPr>
+          <p:cNvPr id="385" name="Google Shape;385;p23:notes"/>
+          <p:cNvSpPr txBox="1">
+            <a:spLocks noGrp="1"/>
+          </p:cNvSpPr>
+          <p:nvPr>
+            <p:ph type="body" idx="1"/>
+          </p:nvPr>
+        </p:nvSpPr>
+        <p:spPr>
+          <a:xfrm>
+            <a:off x="685800" y="4400550"/>
+            <a:ext cx="5486400" cy="3600450"/>
+          </a:xfrm>
+          <a:prstGeom prst="rect">
+            <a:avLst/>
+          </a:prstGeom>
+          <a:noFill/>
+          <a:ln>
+            <a:noFill/>
+          </a:ln>
+        </p:spPr>
+        <p:txBody>
+          <a:bodyPr spcFirstLastPara="1" wrap="square" lIns="91425" tIns="45700" rIns="91425" bIns="45700" anchor="t" anchorCtr="0">
+            <a:noAutofit/>
+          </a:bodyPr>
+          <a:lstStyle/>
+          <a:p>
+            <a:pPr marL="0" lvl="0" indent="0" algn="l" rtl="0">
+              <a:spcBef>
+                <a:spcPts val="0"/>
+              </a:spcBef>
+              <a:spcAft>
+                <a:spcPts val="0"/>
+              </a:spcAft>
+              <a:buNone/>
+            </a:pPr>
+            <a:endParaRPr/>
+          </a:p>
+        </p:txBody>
+      </p:sp>
+      <p:sp>
+        <p:nvSpPr>
+          <p:cNvPr id="386" name="Google Shape;386;p23:notes"/>
+          <p:cNvSpPr txBox="1">
+            <a:spLocks noGrp="1"/>
+          </p:cNvSpPr>
+          <p:nvPr>
+            <p:ph type="sldNum" idx="12"/>
+          </p:nvPr>
+        </p:nvSpPr>
+        <p:spPr>
+          <a:xfrm>
+            <a:off x="3884613" y="8685213"/>
+            <a:ext cx="2971800" cy="458787"/>
+          </a:xfrm>
+          <a:prstGeom prst="rect">
+            <a:avLst/>
+          </a:prstGeom>
+          <a:noFill/>
+          <a:ln>
+            <a:noFill/>
+          </a:ln>
+        </p:spPr>
+        <p:txBody>
+          <a:bodyPr spcFirstLastPara="1" wrap="square" lIns="91425" tIns="45700" rIns="91425" bIns="45700" anchor="b" anchorCtr="0">
+            <a:noAutofit/>
+          </a:bodyPr>
+          <a:lstStyle/>
+          <a:p>
+            <a:pPr marL="0" lvl="0" indent="0" algn="r" rtl="0">
+              <a:spcBef>
+                <a:spcPts val="0"/>
+              </a:spcBef>
+              <a:spcAft>
+                <a:spcPts val="0"/>
+              </a:spcAft>
+              <a:buNone/>
+            </a:pPr>
+            <a:fld id="{00000000-1234-1234-1234-123412341234}" type="slidenum">
+              <a:rPr lang="ru-RU"/>
+              <a:t>26</a:t>
+            </a:fld>
+            <a:endParaRPr/>
+          </a:p>
+        </p:txBody>
+      </p:sp>
+    </p:spTree>
+    <p:extLst>
+      <p:ext uri="{BB962C8B-B14F-4D97-AF65-F5344CB8AC3E}">
+        <p14:creationId xmlns:p14="http://schemas.microsoft.com/office/powerpoint/2010/main" val="1234214150"/>
+      </p:ext>
+    </p:extLst>
   </p:cSld>
   <p:clrMapOvr>
     <a:masterClrMapping/>
@@ -35957,51 +36133,6 @@
       </p:sp>
       <p:sp>
         <p:nvSpPr>
-          <p:cNvPr id="273" name="Google Shape;273;p11"/>
-          <p:cNvSpPr txBox="1">
-            <a:spLocks noGrp="1"/>
-          </p:cNvSpPr>
-          <p:nvPr>
-            <p:ph type="ftr" idx="11"/>
-          </p:nvPr>
-        </p:nvSpPr>
-        <p:spPr>
-          <a:xfrm>
-            <a:off x="1081088" y="8981463"/>
-            <a:ext cx="12580936" cy="323850"/>
-          </a:xfrm>
-          <a:prstGeom prst="rect">
-            <a:avLst/>
-          </a:prstGeom>
-          <a:noFill/>
-          <a:ln>
-            <a:noFill/>
-          </a:ln>
-        </p:spPr>
-        <p:txBody>
-          <a:bodyPr spcFirstLastPara="1" wrap="square" lIns="0" tIns="0" rIns="0" bIns="61200" anchor="b" anchorCtr="0">
-            <a:noAutofit/>
-          </a:bodyPr>
-          <a:lstStyle/>
-          <a:p>
-            <a:pPr marL="0" lvl="0" indent="0" algn="l" rtl="0">
-              <a:lnSpc>
-                <a:spcPct val="100000"/>
-              </a:lnSpc>
-              <a:spcBef>
-                <a:spcPts val="0"/>
-              </a:spcBef>
-              <a:spcAft>
-                <a:spcPts val="0"/>
-              </a:spcAft>
-              <a:buNone/>
-            </a:pPr>
-            <a:endParaRPr/>
-          </a:p>
-        </p:txBody>
-      </p:sp>
-      <p:sp>
-        <p:nvSpPr>
           <p:cNvPr id="274" name="Google Shape;274;p11"/>
           <p:cNvSpPr txBox="1">
             <a:spLocks noGrp="1"/>
@@ -36606,51 +36737,6 @@
       </p:sp>
       <p:sp>
         <p:nvSpPr>
-          <p:cNvPr id="283" name="Google Shape;283;p12"/>
-          <p:cNvSpPr txBox="1">
-            <a:spLocks noGrp="1"/>
-          </p:cNvSpPr>
-          <p:nvPr>
-            <p:ph type="ftr" idx="11"/>
-          </p:nvPr>
-        </p:nvSpPr>
-        <p:spPr>
-          <a:xfrm>
-            <a:off x="1081088" y="8981463"/>
-            <a:ext cx="12580936" cy="323850"/>
-          </a:xfrm>
-          <a:prstGeom prst="rect">
-            <a:avLst/>
-          </a:prstGeom>
-          <a:noFill/>
-          <a:ln>
-            <a:noFill/>
-          </a:ln>
-        </p:spPr>
-        <p:txBody>
-          <a:bodyPr spcFirstLastPara="1" wrap="square" lIns="0" tIns="0" rIns="0" bIns="61200" anchor="b" anchorCtr="0">
-            <a:noAutofit/>
-          </a:bodyPr>
-          <a:lstStyle/>
-          <a:p>
-            <a:pPr marL="0" lvl="0" indent="0" algn="l" rtl="0">
-              <a:lnSpc>
-                <a:spcPct val="100000"/>
-              </a:lnSpc>
-              <a:spcBef>
-                <a:spcPts val="0"/>
-              </a:spcBef>
-              <a:spcAft>
-                <a:spcPts val="0"/>
-              </a:spcAft>
-              <a:buNone/>
-            </a:pPr>
-            <a:endParaRPr/>
-          </a:p>
-        </p:txBody>
-      </p:sp>
-      <p:sp>
-        <p:nvSpPr>
           <p:cNvPr id="284" name="Google Shape;284;p12"/>
           <p:cNvSpPr txBox="1">
             <a:spLocks noGrp="1"/>
@@ -36835,7 +36921,7 @@
                 <a:solidFill>
                   <a:schemeClr val="dk1"/>
                 </a:solidFill>
-                <a:latin typeface="GT Eesti Pro Display" pitchFamily="2" charset="0"/>
+                <a:latin typeface="GT Eesti Pro Display Bold" pitchFamily="2" charset="0"/>
                 <a:ea typeface="Consolas"/>
                 <a:cs typeface="Consolas"/>
                 <a:sym typeface="Consolas"/>
@@ -37051,55 +37137,6 @@
       </p:sp>
       <p:sp>
         <p:nvSpPr>
-          <p:cNvPr id="294" name="Google Shape;294;p13"/>
-          <p:cNvSpPr txBox="1">
-            <a:spLocks noGrp="1"/>
-          </p:cNvSpPr>
-          <p:nvPr>
-            <p:ph type="ftr" idx="11"/>
-          </p:nvPr>
-        </p:nvSpPr>
-        <p:spPr>
-          <a:xfrm>
-            <a:off x="1081088" y="8981463"/>
-            <a:ext cx="12580936" cy="323850"/>
-          </a:xfrm>
-          <a:prstGeom prst="rect">
-            <a:avLst/>
-          </a:prstGeom>
-          <a:noFill/>
-          <a:ln>
-            <a:noFill/>
-          </a:ln>
-        </p:spPr>
-        <p:txBody>
-          <a:bodyPr spcFirstLastPara="1" wrap="square" lIns="0" tIns="0" rIns="0" bIns="61200" anchor="b" anchorCtr="0">
-            <a:noAutofit/>
-          </a:bodyPr>
-          <a:lstStyle/>
-          <a:p>
-            <a:pPr marL="0" lvl="0" indent="0" algn="l" rtl="0">
-              <a:lnSpc>
-                <a:spcPct val="100000"/>
-              </a:lnSpc>
-              <a:spcBef>
-                <a:spcPts val="0"/>
-              </a:spcBef>
-              <a:spcAft>
-                <a:spcPts val="0"/>
-              </a:spcAft>
-              <a:buNone/>
-            </a:pPr>
-            <a:r>
-              <a:rPr lang="en-US" dirty="0"/>
-              <a:t>Python 18+</a:t>
-            </a:r>
-            <a:endParaRPr dirty="0"/>
-          </a:p>
-        </p:txBody>
-      </p:sp>
-      <p:sp>
-        <p:nvSpPr>
           <p:cNvPr id="295" name="Google Shape;295;p13"/>
           <p:cNvSpPr txBox="1">
             <a:spLocks noGrp="1"/>
@@ -37691,51 +37728,6 @@
             <a:endParaRPr dirty="0">
               <a:latin typeface="GT Eesti Pro Display" pitchFamily="2" charset="0"/>
             </a:endParaRPr>
-          </a:p>
-        </p:txBody>
-      </p:sp>
-      <p:sp>
-        <p:nvSpPr>
-          <p:cNvPr id="294" name="Google Shape;294;p13"/>
-          <p:cNvSpPr txBox="1">
-            <a:spLocks noGrp="1"/>
-          </p:cNvSpPr>
-          <p:nvPr>
-            <p:ph type="ftr" idx="11"/>
-          </p:nvPr>
-        </p:nvSpPr>
-        <p:spPr>
-          <a:xfrm>
-            <a:off x="1081088" y="8981463"/>
-            <a:ext cx="12580936" cy="323850"/>
-          </a:xfrm>
-          <a:prstGeom prst="rect">
-            <a:avLst/>
-          </a:prstGeom>
-          <a:noFill/>
-          <a:ln>
-            <a:noFill/>
-          </a:ln>
-        </p:spPr>
-        <p:txBody>
-          <a:bodyPr spcFirstLastPara="1" wrap="square" lIns="0" tIns="0" rIns="0" bIns="61200" anchor="b" anchorCtr="0">
-            <a:noAutofit/>
-          </a:bodyPr>
-          <a:lstStyle/>
-          <a:p>
-            <a:pPr marL="0" lvl="0" indent="0" algn="l" rtl="0">
-              <a:lnSpc>
-                <a:spcPct val="100000"/>
-              </a:lnSpc>
-              <a:spcBef>
-                <a:spcPts val="0"/>
-              </a:spcBef>
-              <a:spcAft>
-                <a:spcPts val="0"/>
-              </a:spcAft>
-              <a:buNone/>
-            </a:pPr>
-            <a:endParaRPr/>
           </a:p>
         </p:txBody>
       </p:sp>
@@ -38101,7 +38093,7 @@
           <a:p>
             <a:r>
               <a:rPr lang="ru-RU" dirty="0"/>
-              <a:t>Фишка </a:t>
+              <a:t>Удобства </a:t>
             </a:r>
             <a:r>
               <a:rPr lang="en-US" dirty="0" err="1"/>
@@ -38709,7 +38701,7 @@
                 <a:solidFill>
                   <a:schemeClr val="dk1"/>
                 </a:solidFill>
-                <a:latin typeface="GT Eesti Pro Display" pitchFamily="2" charset="0"/>
+                <a:latin typeface="GT Eesti Pro Display Bold" pitchFamily="2" charset="0"/>
                 <a:sym typeface="Arial"/>
               </a:rPr>
               <a:t>Appearance</a:t>
@@ -38750,7 +38742,7 @@
                 <a:solidFill>
                   <a:schemeClr val="dk1"/>
                 </a:solidFill>
-                <a:latin typeface="GT Eesti Pro Display" pitchFamily="2" charset="0"/>
+                <a:latin typeface="GT Eesti Pro Display Bold" pitchFamily="2" charset="0"/>
                 <a:sym typeface="Arial"/>
               </a:rPr>
               <a:t>Keymap</a:t>
@@ -38807,7 +38799,7 @@
                 <a:solidFill>
                   <a:schemeClr val="dk1"/>
                 </a:solidFill>
-                <a:latin typeface="GT Eesti Pro Display" pitchFamily="2" charset="0"/>
+                <a:latin typeface="GT Eesti Pro Display Bold" pitchFamily="2" charset="0"/>
                 <a:sym typeface="Arial"/>
               </a:rPr>
               <a:t>Editor</a:t>
@@ -38817,7 +38809,7 @@
                 <a:solidFill>
                   <a:schemeClr val="dk1"/>
                 </a:solidFill>
-                <a:latin typeface="GT Eesti Pro Display" pitchFamily="2" charset="0"/>
+                <a:latin typeface="GT Eesti Pro Display Bold" pitchFamily="2" charset="0"/>
                 <a:sym typeface="Arial"/>
               </a:rPr>
               <a:t> –</a:t>
@@ -38854,7 +38846,7 @@
                 <a:solidFill>
                   <a:schemeClr val="dk1"/>
                 </a:solidFill>
-                <a:latin typeface="GT Eesti Pro Display" pitchFamily="2" charset="0"/>
+                <a:latin typeface="GT Eesti Pro Display Bold" pitchFamily="2" charset="0"/>
                 <a:sym typeface="Arial"/>
               </a:rPr>
               <a:t>Plugins</a:t>
@@ -38864,7 +38856,7 @@
                 <a:solidFill>
                   <a:schemeClr val="dk1"/>
                 </a:solidFill>
-                <a:latin typeface="GT Eesti Pro Display" pitchFamily="2" charset="0"/>
+                <a:latin typeface="GT Eesti Pro Display Bold" pitchFamily="2" charset="0"/>
                 <a:sym typeface="Arial"/>
               </a:rPr>
               <a:t> - </a:t>
@@ -38945,7 +38937,7 @@
                 <a:solidFill>
                   <a:schemeClr val="dk1"/>
                 </a:solidFill>
-                <a:latin typeface="GT Eesti Pro Display" pitchFamily="2" charset="0"/>
+                <a:latin typeface="GT Eesti Pro Display Bold" pitchFamily="2" charset="0"/>
                 <a:sym typeface="Arial"/>
               </a:rPr>
               <a:t>Version</a:t>
@@ -38955,7 +38947,7 @@
                 <a:solidFill>
                   <a:schemeClr val="dk1"/>
                 </a:solidFill>
-                <a:latin typeface="GT Eesti Pro Display" pitchFamily="2" charset="0"/>
+                <a:latin typeface="GT Eesti Pro Display Bold" pitchFamily="2" charset="0"/>
                 <a:sym typeface="Arial"/>
               </a:rPr>
               <a:t> </a:t>
@@ -38965,7 +38957,7 @@
                 <a:solidFill>
                   <a:schemeClr val="dk1"/>
                 </a:solidFill>
-                <a:latin typeface="GT Eesti Pro Display" pitchFamily="2" charset="0"/>
+                <a:latin typeface="GT Eesti Pro Display Bold" pitchFamily="2" charset="0"/>
                 <a:sym typeface="Arial"/>
               </a:rPr>
               <a:t>Control</a:t>
@@ -38975,7 +38967,7 @@
                 <a:solidFill>
                   <a:schemeClr val="dk1"/>
                 </a:solidFill>
-                <a:latin typeface="GT Eesti Pro Display" pitchFamily="2" charset="0"/>
+                <a:latin typeface="GT Eesti Pro Display Bold" pitchFamily="2" charset="0"/>
                 <a:sym typeface="Arial"/>
               </a:rPr>
               <a:t> - </a:t>
@@ -39004,7 +38996,7 @@
               <a:solidFill>
                 <a:schemeClr val="dk1"/>
               </a:solidFill>
-              <a:latin typeface="GT Eesti Pro Display" pitchFamily="2" charset="0"/>
+              <a:latin typeface="GT Eesti Pro Display Bold" pitchFamily="2" charset="0"/>
               <a:sym typeface="Arial"/>
             </a:endParaRPr>
           </a:p>
@@ -42958,8 +42950,8 @@
         </p:nvSpPr>
         <p:spPr>
           <a:xfrm>
-            <a:off x="2760785" y="1178169"/>
-            <a:ext cx="12588439" cy="2449489"/>
+            <a:off x="2128933" y="1495926"/>
+            <a:ext cx="12588439" cy="2680322"/>
           </a:xfrm>
           <a:prstGeom prst="rect">
             <a:avLst/>
@@ -42985,7 +42977,7 @@
               <a:buNone/>
             </a:pPr>
             <a:r>
-              <a:rPr lang="ru-RU" sz="2900" dirty="0">
+              <a:rPr lang="ru-RU" sz="3200" dirty="0">
                 <a:solidFill>
                   <a:schemeClr val="dk1"/>
                 </a:solidFill>
@@ -42995,7 +42987,7 @@
               <a:t>Очень часто вам нужно сделать логического одного признака с другим. К примеру, вам нужно запретить загрузку слишком больших файлов на свой сервер. Сейчас мы попробуем написать,  к примеру, программу простой </a:t>
             </a:r>
             <a:r>
-              <a:rPr lang="ru-RU" sz="2900" dirty="0" err="1">
+              <a:rPr lang="ru-RU" sz="3200" dirty="0" err="1">
                 <a:solidFill>
                   <a:schemeClr val="dk1"/>
                 </a:solidFill>
@@ -43005,7 +42997,7 @@
               <a:t>угадайки</a:t>
             </a:r>
             <a:r>
-              <a:rPr lang="ru-RU" sz="2900" dirty="0">
+              <a:rPr lang="ru-RU" sz="3200" dirty="0">
                 <a:solidFill>
                   <a:schemeClr val="dk1"/>
                 </a:solidFill>
@@ -43015,7 +43007,7 @@
               <a:t>, чтобы поработать и с </a:t>
             </a:r>
             <a:r>
-              <a:rPr lang="ru-RU" sz="2900" dirty="0" err="1">
+              <a:rPr lang="ru-RU" sz="3200" dirty="0" err="1">
                 <a:solidFill>
                   <a:schemeClr val="dk1"/>
                 </a:solidFill>
@@ -43025,7 +43017,7 @@
               <a:t>random</a:t>
             </a:r>
             <a:r>
-              <a:rPr lang="ru-RU" sz="2900" dirty="0">
+              <a:rPr lang="ru-RU" sz="3200" dirty="0">
                 <a:solidFill>
                   <a:schemeClr val="dk1"/>
                 </a:solidFill>
@@ -43034,13 +43026,229 @@
               </a:rPr>
               <a:t>, и с логическими выражениями</a:t>
             </a:r>
-            <a:endParaRPr sz="2900" dirty="0">
+            <a:endParaRPr sz="3200" dirty="0">
               <a:solidFill>
                 <a:schemeClr val="dk1"/>
               </a:solidFill>
               <a:latin typeface="GT Eesti Pro Display Light" pitchFamily="2" charset="0"/>
               <a:sym typeface="Arial"/>
             </a:endParaRPr>
+          </a:p>
+        </p:txBody>
+      </p:sp>
+      <p:pic>
+        <p:nvPicPr>
+          <p:cNvPr id="8" name="Google Shape;193;p3">
+            <a:extLst>
+              <a:ext uri="{FF2B5EF4-FFF2-40B4-BE49-F238E27FC236}">
+                <a16:creationId xmlns:a16="http://schemas.microsoft.com/office/drawing/2014/main" id="{14733ABF-2269-BE44-8613-1AA83F6B21C4}"/>
+              </a:ext>
+            </a:extLst>
+          </p:cNvPr>
+          <p:cNvPicPr preferRelativeResize="0">
+            <a:picLocks/>
+          </p:cNvPicPr>
+          <p:nvPr/>
+        </p:nvPicPr>
+        <p:blipFill rotWithShape="1">
+          <a:blip r:embed="rId3">
+            <a:alphaModFix/>
+          </a:blip>
+          <a:srcRect/>
+          <a:stretch/>
+        </p:blipFill>
+        <p:spPr>
+          <a:xfrm>
+            <a:off x="15195395" y="7030737"/>
+            <a:ext cx="1632015" cy="1632015"/>
+          </a:xfrm>
+          <a:prstGeom prst="rect">
+            <a:avLst/>
+          </a:prstGeom>
+          <a:noFill/>
+          <a:ln>
+            <a:noFill/>
+          </a:ln>
+        </p:spPr>
+      </p:pic>
+    </p:spTree>
+  </p:cSld>
+  <p:clrMapOvr>
+    <a:masterClrMapping/>
+  </p:clrMapOvr>
+</p:sld>
+</file>
+
+<file path=ppt/slides/slide26.xml><?xml version="1.0" encoding="utf-8"?>
+<p:sld xmlns:a="http://schemas.openxmlformats.org/drawingml/2006/main" xmlns:r="http://schemas.openxmlformats.org/officeDocument/2006/relationships" xmlns:p="http://schemas.openxmlformats.org/presentationml/2006/main">
+  <p:cSld>
+    <p:spTree>
+      <p:nvGrpSpPr>
+        <p:cNvPr id="1" name="Shape 387"/>
+        <p:cNvGrpSpPr/>
+        <p:nvPr/>
+      </p:nvGrpSpPr>
+      <p:grpSpPr>
+        <a:xfrm>
+          <a:off x="0" y="0"/>
+          <a:ext cx="0" cy="0"/>
+          <a:chOff x="0" y="0"/>
+          <a:chExt cx="0" cy="0"/>
+        </a:xfrm>
+      </p:grpSpPr>
+      <p:sp>
+        <p:nvSpPr>
+          <p:cNvPr id="388" name="Google Shape;388;p23"/>
+          <p:cNvSpPr txBox="1">
+            <a:spLocks noGrp="1"/>
+          </p:cNvSpPr>
+          <p:nvPr>
+            <p:ph type="title"/>
+          </p:nvPr>
+        </p:nvSpPr>
+        <p:spPr>
+          <a:xfrm>
+            <a:off x="834904" y="241892"/>
+            <a:ext cx="15176499" cy="1116965"/>
+          </a:xfrm>
+          <a:prstGeom prst="rect">
+            <a:avLst/>
+          </a:prstGeom>
+          <a:noFill/>
+          <a:ln>
+            <a:noFill/>
+          </a:ln>
+        </p:spPr>
+        <p:txBody>
+          <a:bodyPr spcFirstLastPara="1" wrap="square" lIns="0" tIns="108000" rIns="0" bIns="0" anchor="t" anchorCtr="0">
+            <a:noAutofit/>
+          </a:bodyPr>
+          <a:lstStyle/>
+          <a:p>
+            <a:pPr marL="0" lvl="0" indent="0" algn="ctr" rtl="0">
+              <a:lnSpc>
+                <a:spcPct val="90000"/>
+              </a:lnSpc>
+              <a:spcBef>
+                <a:spcPts val="0"/>
+              </a:spcBef>
+              <a:spcAft>
+                <a:spcPts val="0"/>
+              </a:spcAft>
+              <a:buClr>
+                <a:schemeClr val="dk1"/>
+              </a:buClr>
+              <a:buSzPts val="4200"/>
+              <a:buFont typeface="Arial"/>
+              <a:buNone/>
+            </a:pPr>
+            <a:r>
+              <a:rPr lang="ru-RU" dirty="0">
+                <a:latin typeface="GT Eesti Pro Display" pitchFamily="2" charset="0"/>
+              </a:rPr>
+              <a:t>Начинаем знакомится с логическими конструкциями</a:t>
+            </a:r>
+            <a:endParaRPr dirty="0">
+              <a:latin typeface="GT Eesti Pro Display" pitchFamily="2" charset="0"/>
+            </a:endParaRPr>
+          </a:p>
+        </p:txBody>
+      </p:sp>
+      <p:sp>
+        <p:nvSpPr>
+          <p:cNvPr id="389" name="Google Shape;389;p23"/>
+          <p:cNvSpPr txBox="1">
+            <a:spLocks noGrp="1"/>
+          </p:cNvSpPr>
+          <p:nvPr>
+            <p:ph type="ftr" idx="11"/>
+          </p:nvPr>
+        </p:nvSpPr>
+        <p:spPr>
+          <a:xfrm>
+            <a:off x="1081088" y="8981463"/>
+            <a:ext cx="12580936" cy="323850"/>
+          </a:xfrm>
+          <a:prstGeom prst="rect">
+            <a:avLst/>
+          </a:prstGeom>
+          <a:noFill/>
+          <a:ln>
+            <a:noFill/>
+          </a:ln>
+        </p:spPr>
+        <p:txBody>
+          <a:bodyPr spcFirstLastPara="1" wrap="square" lIns="0" tIns="0" rIns="0" bIns="61200" anchor="b" anchorCtr="0">
+            <a:noAutofit/>
+          </a:bodyPr>
+          <a:lstStyle/>
+          <a:p>
+            <a:pPr marL="0" lvl="0" indent="0" algn="l" rtl="0">
+              <a:lnSpc>
+                <a:spcPct val="100000"/>
+              </a:lnSpc>
+              <a:spcBef>
+                <a:spcPts val="0"/>
+              </a:spcBef>
+              <a:spcAft>
+                <a:spcPts val="0"/>
+              </a:spcAft>
+              <a:buNone/>
+            </a:pPr>
+            <a:r>
+              <a:rPr lang="en-US" dirty="0"/>
+              <a:t>Python 18+</a:t>
+            </a:r>
+            <a:endParaRPr dirty="0"/>
+          </a:p>
+        </p:txBody>
+      </p:sp>
+      <p:sp>
+        <p:nvSpPr>
+          <p:cNvPr id="390" name="Google Shape;390;p23"/>
+          <p:cNvSpPr txBox="1">
+            <a:spLocks noGrp="1"/>
+          </p:cNvSpPr>
+          <p:nvPr>
+            <p:ph type="sldNum" idx="12"/>
+          </p:nvPr>
+        </p:nvSpPr>
+        <p:spPr>
+          <a:xfrm>
+            <a:off x="15349225" y="8970963"/>
+            <a:ext cx="914400" cy="334350"/>
+          </a:xfrm>
+          <a:prstGeom prst="rect">
+            <a:avLst/>
+          </a:prstGeom>
+          <a:noFill/>
+          <a:ln>
+            <a:noFill/>
+          </a:ln>
+        </p:spPr>
+        <p:txBody>
+          <a:bodyPr spcFirstLastPara="1" wrap="square" lIns="36000" tIns="0" rIns="36000" bIns="54000" anchor="b" anchorCtr="0">
+            <a:noAutofit/>
+          </a:bodyPr>
+          <a:lstStyle/>
+          <a:p>
+            <a:pPr marL="0" lvl="0" indent="0" algn="r" rtl="0">
+              <a:lnSpc>
+                <a:spcPct val="100000"/>
+              </a:lnSpc>
+              <a:spcBef>
+                <a:spcPts val="0"/>
+              </a:spcBef>
+              <a:spcAft>
+                <a:spcPts val="0"/>
+              </a:spcAft>
+              <a:buNone/>
+            </a:pPr>
+            <a:fld id="{00000000-1234-1234-1234-123412341234}" type="slidenum">
+              <a:rPr lang="ru-RU"/>
+              <a:t>26</a:t>
+            </a:fld>
+            <a:endParaRPr/>
           </a:p>
         </p:txBody>
       </p:sp>
@@ -43052,8 +43260,8 @@
         </p:nvSpPr>
         <p:spPr>
           <a:xfrm>
-            <a:off x="2760785" y="3814228"/>
-            <a:ext cx="12133385" cy="4280760"/>
+            <a:off x="2082868" y="1654352"/>
+            <a:ext cx="12133385" cy="5388756"/>
           </a:xfrm>
           <a:prstGeom prst="rect">
             <a:avLst/>
@@ -43079,7 +43287,7 @@
               <a:buNone/>
             </a:pPr>
             <a:r>
-              <a:rPr lang="ru-RU" sz="2400" dirty="0" err="1">
+              <a:rPr lang="ru-RU" sz="2800" dirty="0" err="1">
                 <a:solidFill>
                   <a:schemeClr val="dk1"/>
                 </a:solidFill>
@@ -43089,7 +43297,7 @@
               <a:t>import</a:t>
             </a:r>
             <a:r>
-              <a:rPr lang="ru-RU" sz="2400" dirty="0">
+              <a:rPr lang="ru-RU" sz="2800" dirty="0">
                 <a:solidFill>
                   <a:schemeClr val="dk1"/>
                 </a:solidFill>
@@ -43099,7 +43307,7 @@
               <a:t> </a:t>
             </a:r>
             <a:r>
-              <a:rPr lang="ru-RU" sz="2400" dirty="0" err="1">
+              <a:rPr lang="ru-RU" sz="2800" dirty="0" err="1">
                 <a:solidFill>
                   <a:schemeClr val="dk1"/>
                 </a:solidFill>
@@ -43108,7 +43316,7 @@
               </a:rPr>
               <a:t>random</a:t>
             </a:r>
-            <a:endParaRPr dirty="0">
+            <a:endParaRPr sz="1600" dirty="0">
               <a:latin typeface="JetBrains Mono Medium" panose="020B0509020102050004" pitchFamily="49" charset="0"/>
             </a:endParaRPr>
           </a:p>
@@ -43122,7 +43330,7 @@
               </a:spcAft>
               <a:buNone/>
             </a:pPr>
-            <a:endParaRPr sz="2400" dirty="0">
+            <a:endParaRPr sz="2800" dirty="0">
               <a:solidFill>
                 <a:schemeClr val="dk1"/>
               </a:solidFill>
@@ -43141,7 +43349,7 @@
               <a:buNone/>
             </a:pPr>
             <a:r>
-              <a:rPr lang="ru-RU" sz="2400" dirty="0" err="1">
+              <a:rPr lang="ru-RU" sz="2800" dirty="0" err="1">
                 <a:solidFill>
                   <a:schemeClr val="dk1"/>
                 </a:solidFill>
@@ -43151,7 +43359,7 @@
               <a:t>guess_number</a:t>
             </a:r>
             <a:r>
-              <a:rPr lang="ru-RU" sz="2400" dirty="0">
+              <a:rPr lang="ru-RU" sz="2800" dirty="0">
                 <a:solidFill>
                   <a:schemeClr val="dk1"/>
                 </a:solidFill>
@@ -43161,7 +43369,7 @@
               <a:t> = </a:t>
             </a:r>
             <a:r>
-              <a:rPr lang="ru-RU" sz="2400" dirty="0" err="1">
+              <a:rPr lang="ru-RU" sz="2800" dirty="0" err="1">
                 <a:solidFill>
                   <a:schemeClr val="dk1"/>
                 </a:solidFill>
@@ -43171,7 +43379,7 @@
               <a:t>input</a:t>
             </a:r>
             <a:r>
-              <a:rPr lang="ru-RU" sz="2400" dirty="0">
+              <a:rPr lang="ru-RU" sz="2800" dirty="0">
                 <a:solidFill>
                   <a:schemeClr val="dk1"/>
                 </a:solidFill>
@@ -43180,7 +43388,7 @@
               </a:rPr>
               <a:t>("Выберите любое число: ")</a:t>
             </a:r>
-            <a:endParaRPr dirty="0">
+            <a:endParaRPr sz="1600" dirty="0">
               <a:latin typeface="JetBrains Mono Medium" panose="020B0509020102050004" pitchFamily="49" charset="0"/>
             </a:endParaRPr>
           </a:p>
@@ -43195,7 +43403,7 @@
               <a:buNone/>
             </a:pPr>
             <a:r>
-              <a:rPr lang="ru-RU" sz="2400" dirty="0" err="1">
+              <a:rPr lang="ru-RU" sz="2800" dirty="0" err="1">
                 <a:solidFill>
                   <a:schemeClr val="dk1"/>
                 </a:solidFill>
@@ -43205,7 +43413,7 @@
               <a:t>limit</a:t>
             </a:r>
             <a:r>
-              <a:rPr lang="ru-RU" sz="2400" dirty="0">
+              <a:rPr lang="ru-RU" sz="2800" dirty="0">
                 <a:solidFill>
                   <a:schemeClr val="dk1"/>
                 </a:solidFill>
@@ -43215,7 +43423,7 @@
               <a:t> = </a:t>
             </a:r>
             <a:r>
-              <a:rPr lang="ru-RU" sz="2400" dirty="0" err="1">
+              <a:rPr lang="ru-RU" sz="2800" dirty="0" err="1">
                 <a:solidFill>
                   <a:schemeClr val="dk1"/>
                 </a:solidFill>
@@ -43225,7 +43433,7 @@
               <a:t>input</a:t>
             </a:r>
             <a:r>
-              <a:rPr lang="ru-RU" sz="2400" dirty="0">
+              <a:rPr lang="ru-RU" sz="2800" dirty="0">
                 <a:solidFill>
                   <a:schemeClr val="dk1"/>
                 </a:solidFill>
@@ -43235,7 +43443,7 @@
               <a:t>("введите пределе </a:t>
             </a:r>
             <a:r>
-              <a:rPr lang="ru-RU" sz="2400" dirty="0" err="1">
+              <a:rPr lang="ru-RU" sz="2800" dirty="0" err="1">
                 <a:solidFill>
                   <a:schemeClr val="dk1"/>
                 </a:solidFill>
@@ -43245,7 +43453,7 @@
               <a:t>рандома</a:t>
             </a:r>
             <a:r>
-              <a:rPr lang="ru-RU" sz="2400" dirty="0">
+              <a:rPr lang="ru-RU" sz="2800" dirty="0">
                 <a:solidFill>
                   <a:schemeClr val="dk1"/>
                 </a:solidFill>
@@ -43254,7 +43462,7 @@
               </a:rPr>
               <a:t>: ")</a:t>
             </a:r>
-            <a:endParaRPr dirty="0">
+            <a:endParaRPr sz="1600" dirty="0">
               <a:latin typeface="JetBrains Mono Medium" panose="020B0509020102050004" pitchFamily="49" charset="0"/>
             </a:endParaRPr>
           </a:p>
@@ -43269,7 +43477,7 @@
               <a:buNone/>
             </a:pPr>
             <a:r>
-              <a:rPr lang="ru-RU" sz="2400" dirty="0" err="1">
+              <a:rPr lang="ru-RU" sz="2800" dirty="0" err="1">
                 <a:solidFill>
                   <a:schemeClr val="dk1"/>
                 </a:solidFill>
@@ -43279,7 +43487,7 @@
               <a:t>limit</a:t>
             </a:r>
             <a:r>
-              <a:rPr lang="ru-RU" sz="2400" dirty="0">
+              <a:rPr lang="ru-RU" sz="2800" dirty="0">
                 <a:solidFill>
                   <a:schemeClr val="dk1"/>
                 </a:solidFill>
@@ -43289,7 +43497,7 @@
               <a:t> = </a:t>
             </a:r>
             <a:r>
-              <a:rPr lang="ru-RU" sz="2400" dirty="0" err="1">
+              <a:rPr lang="ru-RU" sz="2800" dirty="0" err="1">
                 <a:solidFill>
                   <a:schemeClr val="dk1"/>
                 </a:solidFill>
@@ -43299,7 +43507,7 @@
               <a:t>int</a:t>
             </a:r>
             <a:r>
-              <a:rPr lang="ru-RU" sz="2400" dirty="0">
+              <a:rPr lang="ru-RU" sz="2800" dirty="0">
                 <a:solidFill>
                   <a:schemeClr val="dk1"/>
                 </a:solidFill>
@@ -43309,7 +43517,7 @@
               <a:t>(</a:t>
             </a:r>
             <a:r>
-              <a:rPr lang="ru-RU" sz="2400" dirty="0" err="1">
+              <a:rPr lang="ru-RU" sz="2800" dirty="0" err="1">
                 <a:solidFill>
                   <a:schemeClr val="dk1"/>
                 </a:solidFill>
@@ -43319,7 +43527,7 @@
               <a:t>limit</a:t>
             </a:r>
             <a:r>
-              <a:rPr lang="ru-RU" sz="2400" dirty="0">
+              <a:rPr lang="ru-RU" sz="2800" dirty="0">
                 <a:solidFill>
                   <a:schemeClr val="dk1"/>
                 </a:solidFill>
@@ -43328,7 +43536,7 @@
               </a:rPr>
               <a:t>)</a:t>
             </a:r>
-            <a:endParaRPr dirty="0">
+            <a:endParaRPr sz="1600" dirty="0">
               <a:latin typeface="JetBrains Mono Medium" panose="020B0509020102050004" pitchFamily="49" charset="0"/>
             </a:endParaRPr>
           </a:p>
@@ -43343,7 +43551,7 @@
               <a:buNone/>
             </a:pPr>
             <a:r>
-              <a:rPr lang="ru-RU" sz="2400" dirty="0" err="1">
+              <a:rPr lang="ru-RU" sz="2800" dirty="0" err="1">
                 <a:solidFill>
                   <a:schemeClr val="dk1"/>
                 </a:solidFill>
@@ -43353,7 +43561,7 @@
               <a:t>random_number</a:t>
             </a:r>
             <a:r>
-              <a:rPr lang="ru-RU" sz="2400" dirty="0">
+              <a:rPr lang="ru-RU" sz="2800" dirty="0">
                 <a:solidFill>
                   <a:schemeClr val="dk1"/>
                 </a:solidFill>
@@ -43363,7 +43571,7 @@
               <a:t> = </a:t>
             </a:r>
             <a:r>
-              <a:rPr lang="ru-RU" sz="2400" dirty="0" err="1">
+              <a:rPr lang="ru-RU" sz="2800" dirty="0" err="1">
                 <a:solidFill>
                   <a:schemeClr val="dk1"/>
                 </a:solidFill>
@@ -43373,7 +43581,7 @@
               <a:t>random.randint</a:t>
             </a:r>
             <a:r>
-              <a:rPr lang="ru-RU" sz="2400" dirty="0">
+              <a:rPr lang="ru-RU" sz="2800" dirty="0">
                 <a:solidFill>
                   <a:schemeClr val="dk1"/>
                 </a:solidFill>
@@ -43383,7 +43591,7 @@
               <a:t>(0, </a:t>
             </a:r>
             <a:r>
-              <a:rPr lang="ru-RU" sz="2400" dirty="0" err="1">
+              <a:rPr lang="ru-RU" sz="2800" dirty="0" err="1">
                 <a:solidFill>
                   <a:schemeClr val="dk1"/>
                 </a:solidFill>
@@ -43393,7 +43601,7 @@
               <a:t>limit</a:t>
             </a:r>
             <a:r>
-              <a:rPr lang="ru-RU" sz="2400" dirty="0">
+              <a:rPr lang="ru-RU" sz="2800" dirty="0">
                 <a:solidFill>
                   <a:schemeClr val="dk1"/>
                 </a:solidFill>
@@ -43402,7 +43610,7 @@
               </a:rPr>
               <a:t> )</a:t>
             </a:r>
-            <a:endParaRPr dirty="0">
+            <a:endParaRPr sz="1600" dirty="0">
               <a:latin typeface="JetBrains Mono Medium" panose="020B0509020102050004" pitchFamily="49" charset="0"/>
             </a:endParaRPr>
           </a:p>
@@ -43417,7 +43625,7 @@
               <a:buNone/>
             </a:pPr>
             <a:r>
-              <a:rPr lang="ru-RU" sz="2400" dirty="0" err="1">
+              <a:rPr lang="ru-RU" sz="2800" dirty="0" err="1">
                 <a:solidFill>
                   <a:schemeClr val="dk1"/>
                 </a:solidFill>
@@ -43427,7 +43635,7 @@
               <a:t>if</a:t>
             </a:r>
             <a:r>
-              <a:rPr lang="ru-RU" sz="2400" dirty="0">
+              <a:rPr lang="ru-RU" sz="2800" dirty="0">
                 <a:solidFill>
                   <a:schemeClr val="dk1"/>
                 </a:solidFill>
@@ -43437,7 +43645,7 @@
               <a:t> </a:t>
             </a:r>
             <a:r>
-              <a:rPr lang="ru-RU" sz="2400" dirty="0" err="1">
+              <a:rPr lang="ru-RU" sz="2800" dirty="0" err="1">
                 <a:solidFill>
                   <a:schemeClr val="dk1"/>
                 </a:solidFill>
@@ -43447,7 +43655,7 @@
               <a:t>random_number</a:t>
             </a:r>
             <a:r>
-              <a:rPr lang="ru-RU" sz="2400" dirty="0">
+              <a:rPr lang="ru-RU" sz="2800" dirty="0">
                 <a:solidFill>
                   <a:schemeClr val="dk1"/>
                 </a:solidFill>
@@ -43457,7 +43665,7 @@
               <a:t> == </a:t>
             </a:r>
             <a:r>
-              <a:rPr lang="ru-RU" sz="2400" dirty="0" err="1">
+              <a:rPr lang="ru-RU" sz="2800" dirty="0" err="1">
                 <a:solidFill>
                   <a:schemeClr val="dk1"/>
                 </a:solidFill>
@@ -43467,7 +43675,7 @@
               <a:t>int</a:t>
             </a:r>
             <a:r>
-              <a:rPr lang="ru-RU" sz="2400" dirty="0">
+              <a:rPr lang="ru-RU" sz="2800" dirty="0">
                 <a:solidFill>
                   <a:schemeClr val="dk1"/>
                 </a:solidFill>
@@ -43477,7 +43685,7 @@
               <a:t>(</a:t>
             </a:r>
             <a:r>
-              <a:rPr lang="ru-RU" sz="2400" dirty="0" err="1">
+              <a:rPr lang="ru-RU" sz="2800" dirty="0" err="1">
                 <a:solidFill>
                   <a:schemeClr val="dk1"/>
                 </a:solidFill>
@@ -43487,7 +43695,7 @@
               <a:t>guess_number</a:t>
             </a:r>
             <a:r>
-              <a:rPr lang="ru-RU" sz="2400" dirty="0">
+              <a:rPr lang="ru-RU" sz="2800" dirty="0">
                 <a:solidFill>
                   <a:schemeClr val="dk1"/>
                 </a:solidFill>
@@ -43496,7 +43704,7 @@
               </a:rPr>
               <a:t>):</a:t>
             </a:r>
-            <a:endParaRPr dirty="0">
+            <a:endParaRPr sz="1600" dirty="0">
               <a:latin typeface="JetBrains Mono Medium" panose="020B0509020102050004" pitchFamily="49" charset="0"/>
             </a:endParaRPr>
           </a:p>
@@ -43511,7 +43719,7 @@
               <a:buNone/>
             </a:pPr>
             <a:r>
-              <a:rPr lang="ru-RU" sz="2400" dirty="0">
+              <a:rPr lang="ru-RU" sz="2800" dirty="0">
                 <a:solidFill>
                   <a:schemeClr val="dk1"/>
                 </a:solidFill>
@@ -43521,7 +43729,7 @@
               <a:t>    </a:t>
             </a:r>
             <a:r>
-              <a:rPr lang="ru-RU" sz="2400" dirty="0" err="1">
+              <a:rPr lang="ru-RU" sz="2800" dirty="0" err="1">
                 <a:solidFill>
                   <a:schemeClr val="dk1"/>
                 </a:solidFill>
@@ -43531,7 +43739,7 @@
               <a:t>print</a:t>
             </a:r>
             <a:r>
-              <a:rPr lang="ru-RU" sz="2400" dirty="0">
+              <a:rPr lang="ru-RU" sz="2800" dirty="0">
                 <a:solidFill>
                   <a:schemeClr val="dk1"/>
                 </a:solidFill>
@@ -43541,7 +43749,7 @@
               <a:t>("могу вас поздравить, вы </a:t>
             </a:r>
             <a:r>
-              <a:rPr lang="ru-RU" sz="2400" dirty="0">
+              <a:rPr lang="ru-RU" sz="2800" dirty="0">
                 <a:solidFill>
                   <a:schemeClr val="dk1"/>
                 </a:solidFill>
@@ -43550,7 +43758,7 @@
               <a:t>выиграли</a:t>
             </a:r>
             <a:r>
-              <a:rPr lang="ru-RU" sz="2400" dirty="0">
+              <a:rPr lang="ru-RU" sz="2800" dirty="0">
                 <a:solidFill>
                   <a:schemeClr val="dk1"/>
                 </a:solidFill>
@@ -43559,7 +43767,7 @@
               </a:rPr>
               <a:t>!")</a:t>
             </a:r>
-            <a:endParaRPr dirty="0">
+            <a:endParaRPr sz="1600" dirty="0">
               <a:latin typeface="JetBrains Mono Medium" panose="020B0509020102050004" pitchFamily="49" charset="0"/>
             </a:endParaRPr>
           </a:p>
@@ -43574,7 +43782,7 @@
               <a:buNone/>
             </a:pPr>
             <a:r>
-              <a:rPr lang="ru-RU" sz="2400" dirty="0" err="1">
+              <a:rPr lang="ru-RU" sz="2800" dirty="0" err="1">
                 <a:solidFill>
                   <a:schemeClr val="dk1"/>
                 </a:solidFill>
@@ -43584,7 +43792,7 @@
               <a:t>else</a:t>
             </a:r>
             <a:r>
-              <a:rPr lang="ru-RU" sz="2400" dirty="0">
+              <a:rPr lang="ru-RU" sz="2800" dirty="0">
                 <a:solidFill>
                   <a:schemeClr val="dk1"/>
                 </a:solidFill>
@@ -43593,7 +43801,7 @@
               </a:rPr>
               <a:t>:</a:t>
             </a:r>
-            <a:endParaRPr dirty="0">
+            <a:endParaRPr sz="1600" dirty="0">
               <a:latin typeface="JetBrains Mono Medium" panose="020B0509020102050004" pitchFamily="49" charset="0"/>
             </a:endParaRPr>
           </a:p>
@@ -43608,7 +43816,7 @@
               <a:buNone/>
             </a:pPr>
             <a:r>
-              <a:rPr lang="ru-RU" sz="2400" dirty="0">
+              <a:rPr lang="ru-RU" sz="2800" dirty="0">
                 <a:solidFill>
                   <a:schemeClr val="dk1"/>
                 </a:solidFill>
@@ -43618,7 +43826,7 @@
               <a:t>    </a:t>
             </a:r>
             <a:r>
-              <a:rPr lang="ru-RU" sz="2400" dirty="0" err="1">
+              <a:rPr lang="ru-RU" sz="2800" dirty="0" err="1">
                 <a:solidFill>
                   <a:schemeClr val="dk1"/>
                 </a:solidFill>
@@ -43628,7 +43836,7 @@
               <a:t>print</a:t>
             </a:r>
             <a:r>
-              <a:rPr lang="ru-RU" sz="2400" dirty="0">
+              <a:rPr lang="ru-RU" sz="2800" dirty="0">
                 <a:solidFill>
                   <a:schemeClr val="dk1"/>
                 </a:solidFill>
@@ -43637,7 +43845,7 @@
               </a:rPr>
               <a:t>("сегодня вам не везет")</a:t>
             </a:r>
-            <a:endParaRPr dirty="0">
+            <a:endParaRPr sz="1600" dirty="0">
               <a:latin typeface="JetBrains Mono Medium" panose="020B0509020102050004" pitchFamily="49" charset="0"/>
             </a:endParaRPr>
           </a:p>
@@ -43652,7 +43860,7 @@
               <a:buNone/>
             </a:pPr>
             <a:r>
-              <a:rPr lang="ru-RU" sz="2400" dirty="0">
+              <a:rPr lang="ru-RU" sz="2800" dirty="0">
                 <a:solidFill>
                   <a:schemeClr val="dk1"/>
                 </a:solidFill>
@@ -43662,7 +43870,7 @@
               <a:t>    </a:t>
             </a:r>
             <a:r>
-              <a:rPr lang="ru-RU" sz="2400" dirty="0" err="1">
+              <a:rPr lang="ru-RU" sz="2800" dirty="0" err="1">
                 <a:solidFill>
                   <a:schemeClr val="dk1"/>
                 </a:solidFill>
@@ -43672,7 +43880,7 @@
               <a:t>print</a:t>
             </a:r>
             <a:r>
-              <a:rPr lang="ru-RU" sz="2400" dirty="0">
+              <a:rPr lang="ru-RU" sz="2800" dirty="0">
                 <a:solidFill>
                   <a:schemeClr val="dk1"/>
                 </a:solidFill>
@@ -43682,7 +43890,7 @@
               <a:t>("</a:t>
             </a:r>
             <a:r>
-              <a:rPr lang="ru-RU" sz="2400" dirty="0">
+              <a:rPr lang="ru-RU" sz="2800" dirty="0">
                 <a:solidFill>
                   <a:schemeClr val="dk1"/>
                 </a:solidFill>
@@ -43691,7 +43899,7 @@
               <a:t>выигрышное</a:t>
             </a:r>
             <a:r>
-              <a:rPr lang="ru-RU" sz="2400" dirty="0">
+              <a:rPr lang="ru-RU" sz="2800" dirty="0">
                 <a:solidFill>
                   <a:schemeClr val="dk1"/>
                 </a:solidFill>
@@ -43701,7 +43909,7 @@
               <a:t> число на самом деле", </a:t>
             </a:r>
             <a:r>
-              <a:rPr lang="ru-RU" sz="2400" dirty="0" err="1">
+              <a:rPr lang="ru-RU" sz="2800" dirty="0" err="1">
                 <a:solidFill>
                   <a:schemeClr val="dk1"/>
                 </a:solidFill>
@@ -43711,7 +43919,7 @@
               <a:t>random_number</a:t>
             </a:r>
             <a:r>
-              <a:rPr lang="ru-RU" sz="2400" dirty="0">
+              <a:rPr lang="ru-RU" sz="2800" dirty="0">
                 <a:solidFill>
                   <a:schemeClr val="dk1"/>
                 </a:solidFill>
@@ -43720,7 +43928,7 @@
               </a:rPr>
               <a:t>)</a:t>
             </a:r>
-            <a:endParaRPr sz="2400" dirty="0">
+            <a:endParaRPr sz="2800" dirty="0">
               <a:solidFill>
                 <a:schemeClr val="dk1"/>
               </a:solidFill>
@@ -43766,6 +43974,11 @@
         </p:spPr>
       </p:pic>
     </p:spTree>
+    <p:extLst>
+      <p:ext uri="{BB962C8B-B14F-4D97-AF65-F5344CB8AC3E}">
+        <p14:creationId xmlns:p14="http://schemas.microsoft.com/office/powerpoint/2010/main" val="3578777645"/>
+      </p:ext>
+    </p:extLst>
   </p:cSld>
   <p:clrMapOvr>
     <a:masterClrMapping/>
@@ -43992,7 +44205,7 @@
         <p:spPr>
           <a:xfrm>
             <a:off x="2198077" y="2461846"/>
-            <a:ext cx="13151148" cy="5342589"/>
+            <a:ext cx="13151148" cy="4488509"/>
           </a:xfrm>
           <a:prstGeom prst="rect">
             <a:avLst/>
@@ -44038,20 +44251,10 @@
                 <a:latin typeface="GT Eesti Pro Display Light" pitchFamily="2" charset="0"/>
                 <a:sym typeface="Arial"/>
               </a:rPr>
-              <a:t>  входит в минимум знаний программиста практически любой специальности. Если максимально просто – это </a:t>
+              <a:t>  входит в минимум знаний программиста практически любой специальности.</a:t>
             </a:r>
             <a:r>
-              <a:rPr lang="ru-RU" sz="3700" u="none" strike="noStrike" cap="none" dirty="0" err="1">
-                <a:solidFill>
-                  <a:schemeClr val="dk1"/>
-                </a:solidFill>
-                <a:latin typeface="GT Eesti Pro Display Light" pitchFamily="2" charset="0"/>
-                <a:sym typeface="Arial"/>
-              </a:rPr>
-              <a:t>Google</a:t>
-            </a:r>
-            <a:r>
-              <a:rPr lang="ru-RU" sz="3700" u="none" strike="noStrike" cap="none" dirty="0">
+              <a:rPr lang="en-US" sz="3700" u="none" strike="noStrike" cap="none" dirty="0">
                 <a:solidFill>
                   <a:schemeClr val="dk1"/>
                 </a:solidFill>
@@ -44059,26 +44262,6 @@
                 <a:sym typeface="Arial"/>
               </a:rPr>
               <a:t> </a:t>
-            </a:r>
-            <a:r>
-              <a:rPr lang="ru-RU" sz="3700" u="none" strike="noStrike" cap="none" dirty="0" err="1">
-                <a:solidFill>
-                  <a:schemeClr val="dk1"/>
-                </a:solidFill>
-                <a:latin typeface="GT Eesti Pro Display Light" pitchFamily="2" charset="0"/>
-                <a:sym typeface="Arial"/>
-              </a:rPr>
-              <a:t>Documents</a:t>
-            </a:r>
-            <a:r>
-              <a:rPr lang="ru-RU" sz="3700" u="none" strike="noStrike" cap="none" dirty="0">
-                <a:solidFill>
-                  <a:schemeClr val="dk1"/>
-                </a:solidFill>
-                <a:latin typeface="GT Eesti Pro Display Light" pitchFamily="2" charset="0"/>
-                <a:sym typeface="Arial"/>
-              </a:rPr>
-              <a:t> для программистов. </a:t>
             </a:r>
             <a:r>
               <a:rPr lang="ru-RU" sz="3700" u="none" strike="noStrike" cap="none" dirty="0" err="1">
